--- a/Steve/PInfoLesson03.pptx
+++ b/Steve/PInfoLesson03.pptx
@@ -1287,7 +1287,7 @@
           </a:ln>
           <a:extLst>
             <a:ext uri="{C572A759-6A51-4108-AA02-DFA0A04FC94B}">
-              <ma14:wrappingTextBoxFlag xmlns:ma14="http://schemas.microsoft.com/office/mac/drawingml/2011/main" xmlns="" val="1"/>
+              <ma14:wrappingTextBoxFlag xmlns="" xmlns:ma14="http://schemas.microsoft.com/office/mac/drawingml/2011/main" val="1"/>
             </a:ext>
           </a:extLst>
         </p:spPr>
@@ -1378,7 +1378,7 @@
           </a:ln>
           <a:extLst>
             <a:ext uri="{C572A759-6A51-4108-AA02-DFA0A04FC94B}">
-              <ma14:wrappingTextBoxFlag xmlns:ma14="http://schemas.microsoft.com/office/mac/drawingml/2011/main" xmlns="" val="1"/>
+              <ma14:wrappingTextBoxFlag xmlns="" xmlns:ma14="http://schemas.microsoft.com/office/mac/drawingml/2011/main" val="1"/>
             </a:ext>
           </a:extLst>
         </p:spPr>
@@ -1415,7 +1415,7 @@
           </a:ln>
           <a:extLst>
             <a:ext uri="{C572A759-6A51-4108-AA02-DFA0A04FC94B}">
-              <ma14:wrappingTextBoxFlag xmlns:ma14="http://schemas.microsoft.com/office/mac/drawingml/2011/main" xmlns="" val="1"/>
+              <ma14:wrappingTextBoxFlag xmlns="" xmlns:ma14="http://schemas.microsoft.com/office/mac/drawingml/2011/main" val="1"/>
             </a:ext>
           </a:extLst>
         </p:spPr>
@@ -2289,7 +2289,7 @@
           </a:prstGeom>
           <a:extLst>
             <a:ext uri="{C572A759-6A51-4108-AA02-DFA0A04FC94B}">
-              <ma14:wrappingTextBoxFlag xmlns:ma14="http://schemas.microsoft.com/office/mac/drawingml/2011/main" xmlns="" val="1"/>
+              <ma14:wrappingTextBoxFlag xmlns="" xmlns:ma14="http://schemas.microsoft.com/office/mac/drawingml/2011/main" val="1"/>
             </a:ext>
           </a:extLst>
         </p:spPr>
@@ -2323,7 +2323,7 @@
           </a:ln>
           <a:extLst>
             <a:ext uri="{C572A759-6A51-4108-AA02-DFA0A04FC94B}">
-              <ma14:wrappingTextBoxFlag xmlns:ma14="http://schemas.microsoft.com/office/mac/drawingml/2011/main" xmlns="" val="1"/>
+              <ma14:wrappingTextBoxFlag xmlns="" xmlns:ma14="http://schemas.microsoft.com/office/mac/drawingml/2011/main" val="1"/>
             </a:ext>
           </a:extLst>
         </p:spPr>
@@ -2358,7 +2358,7 @@
           </a:ln>
           <a:extLst>
             <a:ext uri="{C572A759-6A51-4108-AA02-DFA0A04FC94B}">
-              <ma14:wrappingTextBoxFlag xmlns:ma14="http://schemas.microsoft.com/office/mac/drawingml/2011/main" xmlns="" val="1"/>
+              <ma14:wrappingTextBoxFlag xmlns="" xmlns:ma14="http://schemas.microsoft.com/office/mac/drawingml/2011/main" val="1"/>
             </a:ext>
           </a:extLst>
         </p:spPr>
@@ -2544,7 +2544,7 @@
           </a:ln>
           <a:extLst>
             <a:ext uri="{C572A759-6A51-4108-AA02-DFA0A04FC94B}">
-              <ma14:wrappingTextBoxFlag xmlns:ma14="http://schemas.microsoft.com/office/mac/drawingml/2011/main" xmlns="" val="1"/>
+              <ma14:wrappingTextBoxFlag xmlns="" xmlns:ma14="http://schemas.microsoft.com/office/mac/drawingml/2011/main" val="1"/>
             </a:ext>
           </a:extLst>
         </p:spPr>
@@ -2663,7 +2663,7 @@
           </a:ln>
           <a:extLst>
             <a:ext uri="{C572A759-6A51-4108-AA02-DFA0A04FC94B}">
-              <ma14:wrappingTextBoxFlag xmlns:ma14="http://schemas.microsoft.com/office/mac/drawingml/2011/main" xmlns="" val="1"/>
+              <ma14:wrappingTextBoxFlag xmlns="" xmlns:ma14="http://schemas.microsoft.com/office/mac/drawingml/2011/main" val="1"/>
             </a:ext>
           </a:extLst>
         </p:spPr>
@@ -2777,7 +2777,7 @@
           </a:ln>
           <a:extLst>
             <a:ext uri="{C572A759-6A51-4108-AA02-DFA0A04FC94B}">
-              <ma14:wrappingTextBoxFlag xmlns:ma14="http://schemas.microsoft.com/office/mac/drawingml/2011/main" xmlns="" val="1"/>
+              <ma14:wrappingTextBoxFlag xmlns="" xmlns:ma14="http://schemas.microsoft.com/office/mac/drawingml/2011/main" val="1"/>
             </a:ext>
           </a:extLst>
         </p:spPr>
@@ -2844,7 +2844,7 @@
           </a:prstGeom>
           <a:extLst>
             <a:ext uri="{C572A759-6A51-4108-AA02-DFA0A04FC94B}">
-              <ma14:wrappingTextBoxFlag xmlns:ma14="http://schemas.microsoft.com/office/mac/drawingml/2011/main" xmlns="" val="1"/>
+              <ma14:wrappingTextBoxFlag xmlns="" xmlns:ma14="http://schemas.microsoft.com/office/mac/drawingml/2011/main" val="1"/>
             </a:ext>
           </a:extLst>
         </p:spPr>
@@ -3140,7 +3140,7 @@
           </a:ln>
           <a:extLst>
             <a:ext uri="{C572A759-6A51-4108-AA02-DFA0A04FC94B}">
-              <ma14:wrappingTextBoxFlag xmlns:ma14="http://schemas.microsoft.com/office/mac/drawingml/2011/main" xmlns="" val="1"/>
+              <ma14:wrappingTextBoxFlag xmlns="" xmlns:ma14="http://schemas.microsoft.com/office/mac/drawingml/2011/main" val="1"/>
             </a:ext>
           </a:extLst>
         </p:spPr>
@@ -3259,7 +3259,7 @@
           </a:ln>
           <a:extLst>
             <a:ext uri="{C572A759-6A51-4108-AA02-DFA0A04FC94B}">
-              <ma14:wrappingTextBoxFlag xmlns:ma14="http://schemas.microsoft.com/office/mac/drawingml/2011/main" xmlns="" val="1"/>
+              <ma14:wrappingTextBoxFlag xmlns="" xmlns:ma14="http://schemas.microsoft.com/office/mac/drawingml/2011/main" val="1"/>
             </a:ext>
           </a:extLst>
         </p:spPr>
@@ -3373,7 +3373,7 @@
           </a:ln>
           <a:extLst>
             <a:ext uri="{C572A759-6A51-4108-AA02-DFA0A04FC94B}">
-              <ma14:wrappingTextBoxFlag xmlns:ma14="http://schemas.microsoft.com/office/mac/drawingml/2011/main" xmlns="" val="1"/>
+              <ma14:wrappingTextBoxFlag xmlns="" xmlns:ma14="http://schemas.microsoft.com/office/mac/drawingml/2011/main" val="1"/>
             </a:ext>
           </a:extLst>
         </p:spPr>
@@ -3469,7 +3469,7 @@
           </a:prstGeom>
           <a:extLst>
             <a:ext uri="{C572A759-6A51-4108-AA02-DFA0A04FC94B}">
-              <ma14:wrappingTextBoxFlag xmlns:ma14="http://schemas.microsoft.com/office/mac/drawingml/2011/main" xmlns="" val="1"/>
+              <ma14:wrappingTextBoxFlag xmlns="" xmlns:ma14="http://schemas.microsoft.com/office/mac/drawingml/2011/main" val="1"/>
             </a:ext>
           </a:extLst>
         </p:spPr>
@@ -3693,7 +3693,7 @@
           </a:prstGeom>
           <a:extLst>
             <a:ext uri="{C572A759-6A51-4108-AA02-DFA0A04FC94B}">
-              <ma14:wrappingTextBoxFlag xmlns:ma14="http://schemas.microsoft.com/office/mac/drawingml/2011/main" xmlns="" val="1"/>
+              <ma14:wrappingTextBoxFlag xmlns="" xmlns:ma14="http://schemas.microsoft.com/office/mac/drawingml/2011/main" val="1"/>
             </a:ext>
           </a:extLst>
         </p:spPr>
@@ -3756,7 +3756,7 @@
           </a:ln>
           <a:extLst>
             <a:ext uri="{C572A759-6A51-4108-AA02-DFA0A04FC94B}">
-              <ma14:wrappingTextBoxFlag xmlns:ma14="http://schemas.microsoft.com/office/mac/drawingml/2011/main" xmlns="" val="1"/>
+              <ma14:wrappingTextBoxFlag xmlns="" xmlns:ma14="http://schemas.microsoft.com/office/mac/drawingml/2011/main" val="1"/>
             </a:ext>
           </a:extLst>
         </p:spPr>
@@ -3924,7 +3924,7 @@
           </a:prstGeom>
           <a:extLst>
             <a:ext uri="{C572A759-6A51-4108-AA02-DFA0A04FC94B}">
-              <ma14:wrappingTextBoxFlag xmlns:ma14="http://schemas.microsoft.com/office/mac/drawingml/2011/main" xmlns="" val="1"/>
+              <ma14:wrappingTextBoxFlag xmlns="" xmlns:ma14="http://schemas.microsoft.com/office/mac/drawingml/2011/main" val="1"/>
             </a:ext>
           </a:extLst>
         </p:spPr>
@@ -3987,7 +3987,7 @@
           </a:ln>
           <a:extLst>
             <a:ext uri="{C572A759-6A51-4108-AA02-DFA0A04FC94B}">
-              <ma14:wrappingTextBoxFlag xmlns:ma14="http://schemas.microsoft.com/office/mac/drawingml/2011/main" xmlns="" val="1"/>
+              <ma14:wrappingTextBoxFlag xmlns="" xmlns:ma14="http://schemas.microsoft.com/office/mac/drawingml/2011/main" val="1"/>
             </a:ext>
           </a:extLst>
         </p:spPr>
@@ -4115,7 +4115,7 @@
           </a:prstGeom>
           <a:extLst>
             <a:ext uri="{C572A759-6A51-4108-AA02-DFA0A04FC94B}">
-              <ma14:wrappingTextBoxFlag xmlns:ma14="http://schemas.microsoft.com/office/mac/drawingml/2011/main" xmlns="" val="1"/>
+              <ma14:wrappingTextBoxFlag xmlns="" xmlns:ma14="http://schemas.microsoft.com/office/mac/drawingml/2011/main" val="1"/>
             </a:ext>
           </a:extLst>
         </p:spPr>
@@ -4157,7 +4157,7 @@
           </a:ln>
           <a:extLst>
             <a:ext uri="{C572A759-6A51-4108-AA02-DFA0A04FC94B}">
-              <ma14:wrappingTextBoxFlag xmlns:ma14="http://schemas.microsoft.com/office/mac/drawingml/2011/main" xmlns="" val="1"/>
+              <ma14:wrappingTextBoxFlag xmlns="" xmlns:ma14="http://schemas.microsoft.com/office/mac/drawingml/2011/main" val="1"/>
             </a:ext>
           </a:extLst>
         </p:spPr>
@@ -4210,7 +4210,7 @@
           </a:ln>
           <a:extLst>
             <a:ext uri="{C572A759-6A51-4108-AA02-DFA0A04FC94B}">
-              <ma14:wrappingTextBoxFlag xmlns:ma14="http://schemas.microsoft.com/office/mac/drawingml/2011/main" xmlns="" val="1"/>
+              <ma14:wrappingTextBoxFlag xmlns="" xmlns:ma14="http://schemas.microsoft.com/office/mac/drawingml/2011/main" val="1"/>
             </a:ext>
           </a:extLst>
         </p:spPr>
@@ -4263,7 +4263,7 @@
           </a:ln>
           <a:extLst>
             <a:ext uri="{C572A759-6A51-4108-AA02-DFA0A04FC94B}">
-              <ma14:wrappingTextBoxFlag xmlns:ma14="http://schemas.microsoft.com/office/mac/drawingml/2011/main" xmlns="" val="1"/>
+              <ma14:wrappingTextBoxFlag xmlns="" xmlns:ma14="http://schemas.microsoft.com/office/mac/drawingml/2011/main" val="1"/>
             </a:ext>
           </a:extLst>
         </p:spPr>
@@ -4316,7 +4316,7 @@
           </a:ln>
           <a:extLst>
             <a:ext uri="{C572A759-6A51-4108-AA02-DFA0A04FC94B}">
-              <ma14:wrappingTextBoxFlag xmlns:ma14="http://schemas.microsoft.com/office/mac/drawingml/2011/main" xmlns="" val="1"/>
+              <ma14:wrappingTextBoxFlag xmlns="" xmlns:ma14="http://schemas.microsoft.com/office/mac/drawingml/2011/main" val="1"/>
             </a:ext>
           </a:extLst>
         </p:spPr>
@@ -4369,7 +4369,7 @@
           </a:ln>
           <a:extLst>
             <a:ext uri="{C572A759-6A51-4108-AA02-DFA0A04FC94B}">
-              <ma14:wrappingTextBoxFlag xmlns:ma14="http://schemas.microsoft.com/office/mac/drawingml/2011/main" xmlns="" val="1"/>
+              <ma14:wrappingTextBoxFlag xmlns="" xmlns:ma14="http://schemas.microsoft.com/office/mac/drawingml/2011/main" val="1"/>
             </a:ext>
           </a:extLst>
         </p:spPr>
@@ -4422,7 +4422,7 @@
           </a:ln>
           <a:extLst>
             <a:ext uri="{C572A759-6A51-4108-AA02-DFA0A04FC94B}">
-              <ma14:wrappingTextBoxFlag xmlns:ma14="http://schemas.microsoft.com/office/mac/drawingml/2011/main" xmlns="" val="1"/>
+              <ma14:wrappingTextBoxFlag xmlns="" xmlns:ma14="http://schemas.microsoft.com/office/mac/drawingml/2011/main" val="1"/>
             </a:ext>
           </a:extLst>
         </p:spPr>
@@ -4475,7 +4475,7 @@
           </a:ln>
           <a:extLst>
             <a:ext uri="{C572A759-6A51-4108-AA02-DFA0A04FC94B}">
-              <ma14:wrappingTextBoxFlag xmlns:ma14="http://schemas.microsoft.com/office/mac/drawingml/2011/main" xmlns="" val="1"/>
+              <ma14:wrappingTextBoxFlag xmlns="" xmlns:ma14="http://schemas.microsoft.com/office/mac/drawingml/2011/main" val="1"/>
             </a:ext>
           </a:extLst>
         </p:spPr>
@@ -4528,7 +4528,7 @@
           </a:ln>
           <a:extLst>
             <a:ext uri="{C572A759-6A51-4108-AA02-DFA0A04FC94B}">
-              <ma14:wrappingTextBoxFlag xmlns:ma14="http://schemas.microsoft.com/office/mac/drawingml/2011/main" xmlns="" val="1"/>
+              <ma14:wrappingTextBoxFlag xmlns="" xmlns:ma14="http://schemas.microsoft.com/office/mac/drawingml/2011/main" val="1"/>
             </a:ext>
           </a:extLst>
         </p:spPr>
@@ -4895,7 +4895,7 @@
           </a:ln>
           <a:extLst>
             <a:ext uri="{C572A759-6A51-4108-AA02-DFA0A04FC94B}">
-              <ma14:wrappingTextBoxFlag xmlns:ma14="http://schemas.microsoft.com/office/mac/drawingml/2011/main" xmlns="" val="1"/>
+              <ma14:wrappingTextBoxFlag xmlns="" xmlns:ma14="http://schemas.microsoft.com/office/mac/drawingml/2011/main" val="1"/>
             </a:ext>
           </a:extLst>
         </p:spPr>
@@ -4965,7 +4965,7 @@
           </a:prstGeom>
           <a:extLst>
             <a:ext uri="{C572A759-6A51-4108-AA02-DFA0A04FC94B}">
-              <ma14:wrappingTextBoxFlag xmlns:ma14="http://schemas.microsoft.com/office/mac/drawingml/2011/main" xmlns="" val="1"/>
+              <ma14:wrappingTextBoxFlag xmlns="" xmlns:ma14="http://schemas.microsoft.com/office/mac/drawingml/2011/main" val="1"/>
             </a:ext>
           </a:extLst>
         </p:spPr>
@@ -4999,7 +4999,7 @@
           </a:ln>
           <a:extLst>
             <a:ext uri="{C572A759-6A51-4108-AA02-DFA0A04FC94B}">
-              <ma14:wrappingTextBoxFlag xmlns:ma14="http://schemas.microsoft.com/office/mac/drawingml/2011/main" xmlns="" val="1"/>
+              <ma14:wrappingTextBoxFlag xmlns="" xmlns:ma14="http://schemas.microsoft.com/office/mac/drawingml/2011/main" val="1"/>
             </a:ext>
           </a:extLst>
         </p:spPr>
@@ -5183,7 +5183,7 @@
           </a:prstGeom>
           <a:extLst>
             <a:ext uri="{C572A759-6A51-4108-AA02-DFA0A04FC94B}">
-              <ma14:wrappingTextBoxFlag xmlns:ma14="http://schemas.microsoft.com/office/mac/drawingml/2011/main" xmlns="" val="1"/>
+              <ma14:wrappingTextBoxFlag xmlns="" xmlns:ma14="http://schemas.microsoft.com/office/mac/drawingml/2011/main" val="1"/>
             </a:ext>
           </a:extLst>
         </p:spPr>
@@ -5217,7 +5217,7 @@
           </a:ln>
           <a:extLst>
             <a:ext uri="{C572A759-6A51-4108-AA02-DFA0A04FC94B}">
-              <ma14:wrappingTextBoxFlag xmlns:ma14="http://schemas.microsoft.com/office/mac/drawingml/2011/main" xmlns="" val="1"/>
+              <ma14:wrappingTextBoxFlag xmlns="" xmlns:ma14="http://schemas.microsoft.com/office/mac/drawingml/2011/main" val="1"/>
             </a:ext>
           </a:extLst>
         </p:spPr>
@@ -5844,7 +5844,7 @@
           </a:prstGeom>
           <a:extLst>
             <a:ext uri="{C572A759-6A51-4108-AA02-DFA0A04FC94B}">
-              <ma14:wrappingTextBoxFlag xmlns:ma14="http://schemas.microsoft.com/office/mac/drawingml/2011/main" xmlns="" val="1"/>
+              <ma14:wrappingTextBoxFlag xmlns="" xmlns:ma14="http://schemas.microsoft.com/office/mac/drawingml/2011/main" val="1"/>
             </a:ext>
           </a:extLst>
         </p:spPr>
@@ -5878,7 +5878,7 @@
           </a:ln>
           <a:extLst>
             <a:ext uri="{C572A759-6A51-4108-AA02-DFA0A04FC94B}">
-              <ma14:wrappingTextBoxFlag xmlns:ma14="http://schemas.microsoft.com/office/mac/drawingml/2011/main" xmlns="" val="1"/>
+              <ma14:wrappingTextBoxFlag xmlns="" xmlns:ma14="http://schemas.microsoft.com/office/mac/drawingml/2011/main" val="1"/>
             </a:ext>
           </a:extLst>
         </p:spPr>
@@ -5999,7 +5999,7 @@
           </a:ln>
           <a:extLst>
             <a:ext uri="{C572A759-6A51-4108-AA02-DFA0A04FC94B}">
-              <ma14:wrappingTextBoxFlag xmlns:ma14="http://schemas.microsoft.com/office/mac/drawingml/2011/main" xmlns="" val="1"/>
+              <ma14:wrappingTextBoxFlag xmlns="" xmlns:ma14="http://schemas.microsoft.com/office/mac/drawingml/2011/main" val="1"/>
             </a:ext>
           </a:extLst>
         </p:spPr>
@@ -6124,7 +6124,7 @@
           </a:prstGeom>
           <a:extLst>
             <a:ext uri="{C572A759-6A51-4108-AA02-DFA0A04FC94B}">
-              <ma14:wrappingTextBoxFlag xmlns:ma14="http://schemas.microsoft.com/office/mac/drawingml/2011/main" xmlns="" val="1"/>
+              <ma14:wrappingTextBoxFlag xmlns="" xmlns:ma14="http://schemas.microsoft.com/office/mac/drawingml/2011/main" val="1"/>
             </a:ext>
           </a:extLst>
         </p:spPr>
@@ -6158,7 +6158,7 @@
           </a:ln>
           <a:extLst>
             <a:ext uri="{C572A759-6A51-4108-AA02-DFA0A04FC94B}">
-              <ma14:wrappingTextBoxFlag xmlns:ma14="http://schemas.microsoft.com/office/mac/drawingml/2011/main" xmlns="" val="1"/>
+              <ma14:wrappingTextBoxFlag xmlns="" xmlns:ma14="http://schemas.microsoft.com/office/mac/drawingml/2011/main" val="1"/>
             </a:ext>
           </a:extLst>
         </p:spPr>
@@ -6277,7 +6277,7 @@
           </a:ln>
           <a:extLst>
             <a:ext uri="{C572A759-6A51-4108-AA02-DFA0A04FC94B}">
-              <ma14:wrappingTextBoxFlag xmlns:ma14="http://schemas.microsoft.com/office/mac/drawingml/2011/main" xmlns="" val="1"/>
+              <ma14:wrappingTextBoxFlag xmlns="" xmlns:ma14="http://schemas.microsoft.com/office/mac/drawingml/2011/main" val="1"/>
             </a:ext>
           </a:extLst>
         </p:spPr>
@@ -6405,7 +6405,7 @@
           </a:prstGeom>
           <a:extLst>
             <a:ext uri="{C572A759-6A51-4108-AA02-DFA0A04FC94B}">
-              <ma14:wrappingTextBoxFlag xmlns:ma14="http://schemas.microsoft.com/office/mac/drawingml/2011/main" xmlns="" val="1"/>
+              <ma14:wrappingTextBoxFlag xmlns="" xmlns:ma14="http://schemas.microsoft.com/office/mac/drawingml/2011/main" val="1"/>
             </a:ext>
           </a:extLst>
         </p:spPr>
@@ -6439,7 +6439,7 @@
           </a:ln>
           <a:extLst>
             <a:ext uri="{C572A759-6A51-4108-AA02-DFA0A04FC94B}">
-              <ma14:wrappingTextBoxFlag xmlns:ma14="http://schemas.microsoft.com/office/mac/drawingml/2011/main" xmlns="" val="1"/>
+              <ma14:wrappingTextBoxFlag xmlns="" xmlns:ma14="http://schemas.microsoft.com/office/mac/drawingml/2011/main" val="1"/>
             </a:ext>
           </a:extLst>
         </p:spPr>
@@ -6558,7 +6558,7 @@
           </a:ln>
           <a:extLst>
             <a:ext uri="{C572A759-6A51-4108-AA02-DFA0A04FC94B}">
-              <ma14:wrappingTextBoxFlag xmlns:ma14="http://schemas.microsoft.com/office/mac/drawingml/2011/main" xmlns="" val="1"/>
+              <ma14:wrappingTextBoxFlag xmlns="" xmlns:ma14="http://schemas.microsoft.com/office/mac/drawingml/2011/main" val="1"/>
             </a:ext>
           </a:extLst>
         </p:spPr>
@@ -6634,7 +6634,7 @@
           </a:prstGeom>
           <a:extLst>
             <a:ext uri="{C572A759-6A51-4108-AA02-DFA0A04FC94B}">
-              <ma14:wrappingTextBoxFlag xmlns:ma14="http://schemas.microsoft.com/office/mac/drawingml/2011/main" xmlns="" val="1"/>
+              <ma14:wrappingTextBoxFlag xmlns="" xmlns:ma14="http://schemas.microsoft.com/office/mac/drawingml/2011/main" val="1"/>
             </a:ext>
           </a:extLst>
         </p:spPr>
@@ -6749,7 +6749,7 @@
           </a:prstGeom>
           <a:extLst>
             <a:ext uri="{C572A759-6A51-4108-AA02-DFA0A04FC94B}">
-              <ma14:wrappingTextBoxFlag xmlns:ma14="http://schemas.microsoft.com/office/mac/drawingml/2011/main" xmlns="" val="1"/>
+              <ma14:wrappingTextBoxFlag xmlns="" xmlns:ma14="http://schemas.microsoft.com/office/mac/drawingml/2011/main" val="1"/>
             </a:ext>
           </a:extLst>
         </p:spPr>
@@ -6783,7 +6783,7 @@
           </a:ln>
           <a:extLst>
             <a:ext uri="{C572A759-6A51-4108-AA02-DFA0A04FC94B}">
-              <ma14:wrappingTextBoxFlag xmlns:ma14="http://schemas.microsoft.com/office/mac/drawingml/2011/main" xmlns="" val="1"/>
+              <ma14:wrappingTextBoxFlag xmlns="" xmlns:ma14="http://schemas.microsoft.com/office/mac/drawingml/2011/main" val="1"/>
             </a:ext>
           </a:extLst>
         </p:spPr>
@@ -6902,7 +6902,7 @@
           </a:ln>
           <a:extLst>
             <a:ext uri="{C572A759-6A51-4108-AA02-DFA0A04FC94B}">
-              <ma14:wrappingTextBoxFlag xmlns:ma14="http://schemas.microsoft.com/office/mac/drawingml/2011/main" xmlns="" val="1"/>
+              <ma14:wrappingTextBoxFlag xmlns="" xmlns:ma14="http://schemas.microsoft.com/office/mac/drawingml/2011/main" val="1"/>
             </a:ext>
           </a:extLst>
         </p:spPr>
@@ -7098,7 +7098,7 @@
           </a:prstGeom>
           <a:extLst>
             <a:ext uri="{C572A759-6A51-4108-AA02-DFA0A04FC94B}">
-              <ma14:wrappingTextBoxFlag xmlns:ma14="http://schemas.microsoft.com/office/mac/drawingml/2011/main" xmlns="" val="1"/>
+              <ma14:wrappingTextBoxFlag xmlns="" xmlns:ma14="http://schemas.microsoft.com/office/mac/drawingml/2011/main" val="1"/>
             </a:ext>
           </a:extLst>
         </p:spPr>
@@ -7464,7 +7464,7 @@
           </a:ln>
           <a:extLst>
             <a:ext uri="{C572A759-6A51-4108-AA02-DFA0A04FC94B}">
-              <ma14:wrappingTextBoxFlag xmlns:ma14="http://schemas.microsoft.com/office/mac/drawingml/2011/main" xmlns="" val="1"/>
+              <ma14:wrappingTextBoxFlag xmlns="" xmlns:ma14="http://schemas.microsoft.com/office/mac/drawingml/2011/main" val="1"/>
             </a:ext>
           </a:extLst>
         </p:spPr>
@@ -7565,7 +7565,7 @@
           </a:prstGeom>
           <a:extLst>
             <a:ext uri="{C572A759-6A51-4108-AA02-DFA0A04FC94B}">
-              <ma14:wrappingTextBoxFlag xmlns:ma14="http://schemas.microsoft.com/office/mac/drawingml/2011/main" xmlns="" val="1"/>
+              <ma14:wrappingTextBoxFlag xmlns="" xmlns:ma14="http://schemas.microsoft.com/office/mac/drawingml/2011/main" val="1"/>
             </a:ext>
           </a:extLst>
         </p:spPr>
@@ -7599,7 +7599,7 @@
           </a:ln>
           <a:extLst>
             <a:ext uri="{C572A759-6A51-4108-AA02-DFA0A04FC94B}">
-              <ma14:wrappingTextBoxFlag xmlns:ma14="http://schemas.microsoft.com/office/mac/drawingml/2011/main" xmlns="" val="1"/>
+              <ma14:wrappingTextBoxFlag xmlns="" xmlns:ma14="http://schemas.microsoft.com/office/mac/drawingml/2011/main" val="1"/>
             </a:ext>
           </a:extLst>
         </p:spPr>
@@ -8416,7 +8416,7 @@
           </a:ln>
           <a:extLst>
             <a:ext uri="{C572A759-6A51-4108-AA02-DFA0A04FC94B}">
-              <ma14:wrappingTextBoxFlag xmlns:ma14="http://schemas.microsoft.com/office/mac/drawingml/2011/main" xmlns="" val="1"/>
+              <ma14:wrappingTextBoxFlag xmlns="" xmlns:ma14="http://schemas.microsoft.com/office/mac/drawingml/2011/main" val="1"/>
             </a:ext>
           </a:extLst>
         </p:spPr>
@@ -8544,7 +8544,7 @@
           </a:ln>
           <a:extLst>
             <a:ext uri="{C572A759-6A51-4108-AA02-DFA0A04FC94B}">
-              <ma14:wrappingTextBoxFlag xmlns:ma14="http://schemas.microsoft.com/office/mac/drawingml/2011/main" xmlns="" val="1"/>
+              <ma14:wrappingTextBoxFlag xmlns="" xmlns:ma14="http://schemas.microsoft.com/office/mac/drawingml/2011/main" val="1"/>
             </a:ext>
           </a:extLst>
         </p:spPr>
@@ -8676,7 +8676,7 @@
           </a:ln>
           <a:extLst>
             <a:ext uri="{C572A759-6A51-4108-AA02-DFA0A04FC94B}">
-              <ma14:wrappingTextBoxFlag xmlns:ma14="http://schemas.microsoft.com/office/mac/drawingml/2011/main" xmlns="" val="1"/>
+              <ma14:wrappingTextBoxFlag xmlns="" xmlns:ma14="http://schemas.microsoft.com/office/mac/drawingml/2011/main" val="1"/>
             </a:ext>
           </a:extLst>
         </p:spPr>
@@ -8795,7 +8795,7 @@
           </a:ln>
           <a:extLst>
             <a:ext uri="{C572A759-6A51-4108-AA02-DFA0A04FC94B}">
-              <ma14:wrappingTextBoxFlag xmlns:ma14="http://schemas.microsoft.com/office/mac/drawingml/2011/main" xmlns="" val="1"/>
+              <ma14:wrappingTextBoxFlag xmlns="" xmlns:ma14="http://schemas.microsoft.com/office/mac/drawingml/2011/main" val="1"/>
             </a:ext>
           </a:extLst>
         </p:spPr>
@@ -9355,7 +9355,7 @@
           </a:prstGeom>
           <a:extLst>
             <a:ext uri="{C572A759-6A51-4108-AA02-DFA0A04FC94B}">
-              <ma14:wrappingTextBoxFlag xmlns:ma14="http://schemas.microsoft.com/office/mac/drawingml/2011/main" xmlns="" val="1"/>
+              <ma14:wrappingTextBoxFlag xmlns="" xmlns:ma14="http://schemas.microsoft.com/office/mac/drawingml/2011/main" val="1"/>
             </a:ext>
           </a:extLst>
         </p:spPr>
@@ -9713,7 +9713,7 @@
           </a:prstGeom>
           <a:extLst>
             <a:ext uri="{C572A759-6A51-4108-AA02-DFA0A04FC94B}">
-              <ma14:wrappingTextBoxFlag xmlns:ma14="http://schemas.microsoft.com/office/mac/drawingml/2011/main" xmlns="" val="1"/>
+              <ma14:wrappingTextBoxFlag xmlns="" xmlns:ma14="http://schemas.microsoft.com/office/mac/drawingml/2011/main" val="1"/>
             </a:ext>
           </a:extLst>
         </p:spPr>
@@ -9747,7 +9747,7 @@
           </a:ln>
           <a:extLst>
             <a:ext uri="{C572A759-6A51-4108-AA02-DFA0A04FC94B}">
-              <ma14:wrappingTextBoxFlag xmlns:ma14="http://schemas.microsoft.com/office/mac/drawingml/2011/main" xmlns="" val="1"/>
+              <ma14:wrappingTextBoxFlag xmlns="" xmlns:ma14="http://schemas.microsoft.com/office/mac/drawingml/2011/main" val="1"/>
             </a:ext>
           </a:extLst>
         </p:spPr>
@@ -9939,7 +9939,7 @@
           </a:prstGeom>
           <a:extLst>
             <a:ext uri="{C572A759-6A51-4108-AA02-DFA0A04FC94B}">
-              <ma14:wrappingTextBoxFlag xmlns:ma14="http://schemas.microsoft.com/office/mac/drawingml/2011/main" xmlns="" val="1"/>
+              <ma14:wrappingTextBoxFlag xmlns="" xmlns:ma14="http://schemas.microsoft.com/office/mac/drawingml/2011/main" val="1"/>
             </a:ext>
           </a:extLst>
         </p:spPr>
@@ -10226,7 +10226,7 @@
           </a:prstGeom>
           <a:extLst>
             <a:ext uri="{C572A759-6A51-4108-AA02-DFA0A04FC94B}">
-              <ma14:wrappingTextBoxFlag xmlns:ma14="http://schemas.microsoft.com/office/mac/drawingml/2011/main" xmlns="" val="1"/>
+              <ma14:wrappingTextBoxFlag xmlns="" xmlns:ma14="http://schemas.microsoft.com/office/mac/drawingml/2011/main" val="1"/>
             </a:ext>
           </a:extLst>
         </p:spPr>
@@ -10260,7 +10260,7 @@
           </a:ln>
           <a:extLst>
             <a:ext uri="{C572A759-6A51-4108-AA02-DFA0A04FC94B}">
-              <ma14:wrappingTextBoxFlag xmlns:ma14="http://schemas.microsoft.com/office/mac/drawingml/2011/main" xmlns="" val="1"/>
+              <ma14:wrappingTextBoxFlag xmlns="" xmlns:ma14="http://schemas.microsoft.com/office/mac/drawingml/2011/main" val="1"/>
             </a:ext>
           </a:extLst>
         </p:spPr>
@@ -11458,7 +11458,7 @@
           </a:ln>
           <a:extLst>
             <a:ext uri="{C572A759-6A51-4108-AA02-DFA0A04FC94B}">
-              <ma14:wrappingTextBoxFlag xmlns:ma14="http://schemas.microsoft.com/office/mac/drawingml/2011/main" xmlns="" val="1"/>
+              <ma14:wrappingTextBoxFlag xmlns="" xmlns:ma14="http://schemas.microsoft.com/office/mac/drawingml/2011/main" val="1"/>
             </a:ext>
           </a:extLst>
         </p:spPr>
@@ -11630,7 +11630,7 @@
           </a:ln>
           <a:extLst>
             <a:ext uri="{C572A759-6A51-4108-AA02-DFA0A04FC94B}">
-              <ma14:wrappingTextBoxFlag xmlns:ma14="http://schemas.microsoft.com/office/mac/drawingml/2011/main" xmlns="" val="1"/>
+              <ma14:wrappingTextBoxFlag xmlns="" xmlns:ma14="http://schemas.microsoft.com/office/mac/drawingml/2011/main" val="1"/>
             </a:ext>
           </a:extLst>
         </p:spPr>
@@ -11769,7 +11769,7 @@
           </a:ln>
           <a:extLst>
             <a:ext uri="{C572A759-6A51-4108-AA02-DFA0A04FC94B}">
-              <ma14:wrappingTextBoxFlag xmlns:ma14="http://schemas.microsoft.com/office/mac/drawingml/2011/main" xmlns="" val="1"/>
+              <ma14:wrappingTextBoxFlag xmlns="" xmlns:ma14="http://schemas.microsoft.com/office/mac/drawingml/2011/main" val="1"/>
             </a:ext>
           </a:extLst>
         </p:spPr>
@@ -12045,7 +12045,7 @@
           </a:prstGeom>
           <a:extLst>
             <a:ext uri="{C572A759-6A51-4108-AA02-DFA0A04FC94B}">
-              <ma14:wrappingTextBoxFlag xmlns:ma14="http://schemas.microsoft.com/office/mac/drawingml/2011/main" xmlns="" val="1"/>
+              <ma14:wrappingTextBoxFlag xmlns="" xmlns:ma14="http://schemas.microsoft.com/office/mac/drawingml/2011/main" val="1"/>
             </a:ext>
           </a:extLst>
         </p:spPr>
@@ -12079,7 +12079,7 @@
           </a:ln>
           <a:extLst>
             <a:ext uri="{C572A759-6A51-4108-AA02-DFA0A04FC94B}">
-              <ma14:wrappingTextBoxFlag xmlns:ma14="http://schemas.microsoft.com/office/mac/drawingml/2011/main" xmlns="" val="1"/>
+              <ma14:wrappingTextBoxFlag xmlns="" xmlns:ma14="http://schemas.microsoft.com/office/mac/drawingml/2011/main" val="1"/>
             </a:ext>
           </a:extLst>
         </p:spPr>
@@ -13502,7 +13502,7 @@
           </a:ln>
           <a:extLst>
             <a:ext uri="{C572A759-6A51-4108-AA02-DFA0A04FC94B}">
-              <ma14:wrappingTextBoxFlag xmlns:ma14="http://schemas.microsoft.com/office/mac/drawingml/2011/main" xmlns="" val="1"/>
+              <ma14:wrappingTextBoxFlag xmlns="" xmlns:ma14="http://schemas.microsoft.com/office/mac/drawingml/2011/main" val="1"/>
             </a:ext>
           </a:extLst>
         </p:spPr>
@@ -13635,7 +13635,7 @@
           </a:ln>
           <a:extLst>
             <a:ext uri="{C572A759-6A51-4108-AA02-DFA0A04FC94B}">
-              <ma14:wrappingTextBoxFlag xmlns:ma14="http://schemas.microsoft.com/office/mac/drawingml/2011/main" xmlns="" val="1"/>
+              <ma14:wrappingTextBoxFlag xmlns="" xmlns:ma14="http://schemas.microsoft.com/office/mac/drawingml/2011/main" val="1"/>
             </a:ext>
           </a:extLst>
         </p:spPr>
@@ -13764,7 +13764,7 @@
           </a:ln>
           <a:extLst>
             <a:ext uri="{C572A759-6A51-4108-AA02-DFA0A04FC94B}">
-              <ma14:wrappingTextBoxFlag xmlns:ma14="http://schemas.microsoft.com/office/mac/drawingml/2011/main" xmlns="" val="1"/>
+              <ma14:wrappingTextBoxFlag xmlns="" xmlns:ma14="http://schemas.microsoft.com/office/mac/drawingml/2011/main" val="1"/>
             </a:ext>
           </a:extLst>
         </p:spPr>
@@ -14283,7 +14283,7 @@
           </a:prstGeom>
           <a:extLst>
             <a:ext uri="{C572A759-6A51-4108-AA02-DFA0A04FC94B}">
-              <ma14:wrappingTextBoxFlag xmlns:ma14="http://schemas.microsoft.com/office/mac/drawingml/2011/main" xmlns="" val="1"/>
+              <ma14:wrappingTextBoxFlag xmlns="" xmlns:ma14="http://schemas.microsoft.com/office/mac/drawingml/2011/main" val="1"/>
             </a:ext>
           </a:extLst>
         </p:spPr>
@@ -14641,7 +14641,7 @@
           </a:prstGeom>
           <a:extLst>
             <a:ext uri="{C572A759-6A51-4108-AA02-DFA0A04FC94B}">
-              <ma14:wrappingTextBoxFlag xmlns:ma14="http://schemas.microsoft.com/office/mac/drawingml/2011/main" xmlns="" val="1"/>
+              <ma14:wrappingTextBoxFlag xmlns="" xmlns:ma14="http://schemas.microsoft.com/office/mac/drawingml/2011/main" val="1"/>
             </a:ext>
           </a:extLst>
         </p:spPr>
@@ -14675,7 +14675,7 @@
           </a:ln>
           <a:extLst>
             <a:ext uri="{C572A759-6A51-4108-AA02-DFA0A04FC94B}">
-              <ma14:wrappingTextBoxFlag xmlns:ma14="http://schemas.microsoft.com/office/mac/drawingml/2011/main" xmlns="" val="1"/>
+              <ma14:wrappingTextBoxFlag xmlns="" xmlns:ma14="http://schemas.microsoft.com/office/mac/drawingml/2011/main" val="1"/>
             </a:ext>
           </a:extLst>
         </p:spPr>
@@ -14880,7 +14880,7 @@
           </a:prstGeom>
           <a:extLst>
             <a:ext uri="{C572A759-6A51-4108-AA02-DFA0A04FC94B}">
-              <ma14:wrappingTextBoxFlag xmlns:ma14="http://schemas.microsoft.com/office/mac/drawingml/2011/main" xmlns="" val="1"/>
+              <ma14:wrappingTextBoxFlag xmlns="" xmlns:ma14="http://schemas.microsoft.com/office/mac/drawingml/2011/main" val="1"/>
             </a:ext>
           </a:extLst>
         </p:spPr>
@@ -15340,7 +15340,7 @@
           </a:prstGeom>
           <a:extLst>
             <a:ext uri="{C572A759-6A51-4108-AA02-DFA0A04FC94B}">
-              <ma14:wrappingTextBoxFlag xmlns:ma14="http://schemas.microsoft.com/office/mac/drawingml/2011/main" xmlns="" val="1"/>
+              <ma14:wrappingTextBoxFlag xmlns="" xmlns:ma14="http://schemas.microsoft.com/office/mac/drawingml/2011/main" val="1"/>
             </a:ext>
           </a:extLst>
         </p:spPr>
@@ -15374,7 +15374,7 @@
           </a:ln>
           <a:extLst>
             <a:ext uri="{C572A759-6A51-4108-AA02-DFA0A04FC94B}">
-              <ma14:wrappingTextBoxFlag xmlns:ma14="http://schemas.microsoft.com/office/mac/drawingml/2011/main" xmlns="" val="1"/>
+              <ma14:wrappingTextBoxFlag xmlns="" xmlns:ma14="http://schemas.microsoft.com/office/mac/drawingml/2011/main" val="1"/>
             </a:ext>
           </a:extLst>
         </p:spPr>
@@ -15428,7 +15428,7 @@
           </a:ln>
           <a:extLst>
             <a:ext uri="{C572A759-6A51-4108-AA02-DFA0A04FC94B}">
-              <ma14:wrappingTextBoxFlag xmlns:ma14="http://schemas.microsoft.com/office/mac/drawingml/2011/main" xmlns="" val="1"/>
+              <ma14:wrappingTextBoxFlag xmlns="" xmlns:ma14="http://schemas.microsoft.com/office/mac/drawingml/2011/main" val="1"/>
             </a:ext>
           </a:extLst>
         </p:spPr>
@@ -15530,7 +15530,7 @@
           </a:prstGeom>
           <a:extLst>
             <a:ext uri="{C572A759-6A51-4108-AA02-DFA0A04FC94B}">
-              <ma14:wrappingTextBoxFlag xmlns:ma14="http://schemas.microsoft.com/office/mac/drawingml/2011/main" xmlns="" val="1"/>
+              <ma14:wrappingTextBoxFlag xmlns="" xmlns:ma14="http://schemas.microsoft.com/office/mac/drawingml/2011/main" val="1"/>
             </a:ext>
           </a:extLst>
         </p:spPr>
@@ -16301,7 +16301,23 @@
             </a:r>
             <a:r>
               <a:rPr sz="3200" dirty="0"/>
-              <a:t> se qui se </a:t>
+              <a:t> </a:t>
+            </a:r>
+            <a:r>
+              <a:rPr lang="en-US" sz="3200" dirty="0" err="1" smtClean="0"/>
+              <a:t>c</a:t>
+            </a:r>
+            <a:r>
+              <a:rPr sz="3200" dirty="0" err="1" smtClean="0"/>
+              <a:t>e</a:t>
+            </a:r>
+            <a:r>
+              <a:rPr sz="3200" dirty="0" smtClean="0"/>
+              <a:t> </a:t>
+            </a:r>
+            <a:r>
+              <a:rPr sz="3200" dirty="0"/>
+              <a:t>qui se </a:t>
             </a:r>
             <a:r>
               <a:rPr sz="3200" dirty="0" err="1"/>
@@ -16348,7 +16364,7 @@
           </a:prstGeom>
           <a:extLst>
             <a:ext uri="{C572A759-6A51-4108-AA02-DFA0A04FC94B}">
-              <ma14:wrappingTextBoxFlag xmlns:ma14="http://schemas.microsoft.com/office/mac/drawingml/2011/main" xmlns="" val="1"/>
+              <ma14:wrappingTextBoxFlag xmlns="" xmlns:ma14="http://schemas.microsoft.com/office/mac/drawingml/2011/main" val="1"/>
             </a:ext>
           </a:extLst>
         </p:spPr>
@@ -16971,7 +16987,7 @@
           </a:prstGeom>
           <a:extLst>
             <a:ext uri="{C572A759-6A51-4108-AA02-DFA0A04FC94B}">
-              <ma14:wrappingTextBoxFlag xmlns:ma14="http://schemas.microsoft.com/office/mac/drawingml/2011/main" xmlns="" val="1"/>
+              <ma14:wrappingTextBoxFlag xmlns="" xmlns:ma14="http://schemas.microsoft.com/office/mac/drawingml/2011/main" val="1"/>
             </a:ext>
           </a:extLst>
         </p:spPr>
@@ -17295,7 +17311,7 @@
           </a:prstGeom>
           <a:extLst>
             <a:ext uri="{C572A759-6A51-4108-AA02-DFA0A04FC94B}">
-              <ma14:wrappingTextBoxFlag xmlns:ma14="http://schemas.microsoft.com/office/mac/drawingml/2011/main" xmlns="" val="1"/>
+              <ma14:wrappingTextBoxFlag xmlns="" xmlns:ma14="http://schemas.microsoft.com/office/mac/drawingml/2011/main" val="1"/>
             </a:ext>
           </a:extLst>
         </p:spPr>
@@ -17352,7 +17368,7 @@
           </a:prstGeom>
           <a:extLst>
             <a:ext uri="{C572A759-6A51-4108-AA02-DFA0A04FC94B}">
-              <ma14:wrappingTextBoxFlag xmlns:ma14="http://schemas.microsoft.com/office/mac/drawingml/2011/main" xmlns="" val="1"/>
+              <ma14:wrappingTextBoxFlag xmlns="" xmlns:ma14="http://schemas.microsoft.com/office/mac/drawingml/2011/main" val="1"/>
             </a:ext>
           </a:extLst>
         </p:spPr>
@@ -17415,7 +17431,7 @@
           </a:ln>
           <a:extLst>
             <a:ext uri="{C572A759-6A51-4108-AA02-DFA0A04FC94B}">
-              <ma14:wrappingTextBoxFlag xmlns:ma14="http://schemas.microsoft.com/office/mac/drawingml/2011/main" xmlns="" val="1"/>
+              <ma14:wrappingTextBoxFlag xmlns="" xmlns:ma14="http://schemas.microsoft.com/office/mac/drawingml/2011/main" val="1"/>
             </a:ext>
           </a:extLst>
         </p:spPr>
@@ -17546,7 +17562,7 @@
           </a:prstGeom>
           <a:extLst>
             <a:ext uri="{C572A759-6A51-4108-AA02-DFA0A04FC94B}">
-              <ma14:wrappingTextBoxFlag xmlns:ma14="http://schemas.microsoft.com/office/mac/drawingml/2011/main" xmlns="" val="1"/>
+              <ma14:wrappingTextBoxFlag xmlns="" xmlns:ma14="http://schemas.microsoft.com/office/mac/drawingml/2011/main" val="1"/>
             </a:ext>
           </a:extLst>
         </p:spPr>
@@ -17580,7 +17596,7 @@
           </a:ln>
           <a:extLst>
             <a:ext uri="{C572A759-6A51-4108-AA02-DFA0A04FC94B}">
-              <ma14:wrappingTextBoxFlag xmlns:ma14="http://schemas.microsoft.com/office/mac/drawingml/2011/main" xmlns="" val="1"/>
+              <ma14:wrappingTextBoxFlag xmlns="" xmlns:ma14="http://schemas.microsoft.com/office/mac/drawingml/2011/main" val="1"/>
             </a:ext>
           </a:extLst>
         </p:spPr>
@@ -17634,7 +17650,7 @@
           </a:ln>
           <a:extLst>
             <a:ext uri="{C572A759-6A51-4108-AA02-DFA0A04FC94B}">
-              <ma14:wrappingTextBoxFlag xmlns:ma14="http://schemas.microsoft.com/office/mac/drawingml/2011/main" xmlns="" val="1"/>
+              <ma14:wrappingTextBoxFlag xmlns="" xmlns:ma14="http://schemas.microsoft.com/office/mac/drawingml/2011/main" val="1"/>
             </a:ext>
           </a:extLst>
         </p:spPr>
@@ -17688,7 +17704,7 @@
           </a:ln>
           <a:extLst>
             <a:ext uri="{C572A759-6A51-4108-AA02-DFA0A04FC94B}">
-              <ma14:wrappingTextBoxFlag xmlns:ma14="http://schemas.microsoft.com/office/mac/drawingml/2011/main" xmlns="" val="1"/>
+              <ma14:wrappingTextBoxFlag xmlns="" xmlns:ma14="http://schemas.microsoft.com/office/mac/drawingml/2011/main" val="1"/>
             </a:ext>
           </a:extLst>
         </p:spPr>
@@ -17938,15 +17954,23 @@
             </a:pPr>
             <a:r>
               <a:rPr dirty="0"/>
-              <a:t>Qui a </a:t>
-            </a:r>
-            <a:r>
-              <a:rPr dirty="0" err="1"/>
+              <a:t>Qui </a:t>
+            </a:r>
+            <a:r>
+              <a:rPr dirty="0" smtClean="0"/>
+              <a:t>a </a:t>
+            </a:r>
+            <a:r>
+              <a:rPr dirty="0" err="1" smtClean="0"/>
               <a:t>besoin</a:t>
             </a:r>
             <a:r>
+              <a:rPr dirty="0" smtClean="0"/>
+              <a:t> </a:t>
+            </a:r>
+            <a:r>
               <a:rPr dirty="0"/>
-              <a:t> de quoi</a:t>
+              <a:t>de quoi</a:t>
             </a:r>
             <a:r>
               <a:rPr dirty="0" smtClean="0"/>
@@ -17970,7 +17994,15 @@
             </a:r>
             <a:r>
               <a:rPr lang="en-US" dirty="0" smtClean="0"/>
-              <a:t> (A à </a:t>
+              <a:t> (A </a:t>
+            </a:r>
+            <a:r>
+              <a:rPr lang="en-US" dirty="0" err="1" smtClean="0"/>
+              <a:t>a</a:t>
+            </a:r>
+            <a:r>
+              <a:rPr lang="en-US" dirty="0" smtClean="0"/>
+              <a:t> </a:t>
             </a:r>
             <a:r>
               <a:rPr lang="en-US" dirty="0" err="1" smtClean="0"/>
@@ -17986,7 +18018,11 @@
             </a:r>
             <a:r>
               <a:rPr lang="en-US" dirty="0" smtClean="0"/>
-              <a:t> v1.0 et C à </a:t>
+              <a:t> v1.0 et C </a:t>
+            </a:r>
+            <a:r>
+              <a:rPr lang="en-US" dirty="0" smtClean="0"/>
+              <a:t>a </a:t>
             </a:r>
             <a:r>
               <a:rPr lang="en-US" dirty="0" err="1" smtClean="0"/>
@@ -18045,7 +18081,7 @@
           </a:prstGeom>
           <a:extLst>
             <a:ext uri="{C572A759-6A51-4108-AA02-DFA0A04FC94B}">
-              <ma14:wrappingTextBoxFlag xmlns:ma14="http://schemas.microsoft.com/office/mac/drawingml/2011/main" xmlns="" val="1"/>
+              <ma14:wrappingTextBoxFlag xmlns="" xmlns:ma14="http://schemas.microsoft.com/office/mac/drawingml/2011/main" val="1"/>
             </a:ext>
           </a:extLst>
         </p:spPr>
@@ -18365,7 +18401,7 @@
           </a:prstGeom>
           <a:extLst>
             <a:ext uri="{C572A759-6A51-4108-AA02-DFA0A04FC94B}">
-              <ma14:wrappingTextBoxFlag xmlns:ma14="http://schemas.microsoft.com/office/mac/drawingml/2011/main" xmlns="" val="1"/>
+              <ma14:wrappingTextBoxFlag xmlns="" xmlns:ma14="http://schemas.microsoft.com/office/mac/drawingml/2011/main" val="1"/>
             </a:ext>
           </a:extLst>
         </p:spPr>
@@ -18511,7 +18547,7 @@
           </a:prstGeom>
           <a:extLst>
             <a:ext uri="{C572A759-6A51-4108-AA02-DFA0A04FC94B}">
-              <ma14:wrappingTextBoxFlag xmlns:ma14="http://schemas.microsoft.com/office/mac/drawingml/2011/main" xmlns="" val="1"/>
+              <ma14:wrappingTextBoxFlag xmlns="" xmlns:ma14="http://schemas.microsoft.com/office/mac/drawingml/2011/main" val="1"/>
             </a:ext>
           </a:extLst>
         </p:spPr>
@@ -18966,7 +19002,7 @@
           </a:prstGeom>
           <a:extLst>
             <a:ext uri="{C572A759-6A51-4108-AA02-DFA0A04FC94B}">
-              <ma14:wrappingTextBoxFlag xmlns:ma14="http://schemas.microsoft.com/office/mac/drawingml/2011/main" xmlns="" val="1"/>
+              <ma14:wrappingTextBoxFlag xmlns="" xmlns:ma14="http://schemas.microsoft.com/office/mac/drawingml/2011/main" val="1"/>
             </a:ext>
           </a:extLst>
         </p:spPr>
@@ -19375,7 +19411,7 @@
           </a:ln>
           <a:extLst>
             <a:ext uri="{C572A759-6A51-4108-AA02-DFA0A04FC94B}">
-              <ma14:wrappingTextBoxFlag xmlns:ma14="http://schemas.microsoft.com/office/mac/drawingml/2011/main" xmlns="" val="1"/>
+              <ma14:wrappingTextBoxFlag xmlns="" xmlns:ma14="http://schemas.microsoft.com/office/mac/drawingml/2011/main" val="1"/>
             </a:ext>
           </a:extLst>
         </p:spPr>
@@ -20447,7 +20483,7 @@
           </a:ln>
           <a:extLst>
             <a:ext uri="{C572A759-6A51-4108-AA02-DFA0A04FC94B}">
-              <ma14:wrappingTextBoxFlag xmlns:ma14="http://schemas.microsoft.com/office/mac/drawingml/2011/main" xmlns="" val="1"/>
+              <ma14:wrappingTextBoxFlag xmlns="" xmlns:ma14="http://schemas.microsoft.com/office/mac/drawingml/2011/main" val="1"/>
             </a:ext>
           </a:extLst>
         </p:spPr>
@@ -20584,7 +20620,7 @@
           </a:ln>
           <a:extLst>
             <a:ext uri="{C572A759-6A51-4108-AA02-DFA0A04FC94B}">
-              <ma14:wrappingTextBoxFlag xmlns:ma14="http://schemas.microsoft.com/office/mac/drawingml/2011/main" xmlns="" val="1"/>
+              <ma14:wrappingTextBoxFlag xmlns="" xmlns:ma14="http://schemas.microsoft.com/office/mac/drawingml/2011/main" val="1"/>
             </a:ext>
           </a:extLst>
         </p:spPr>
@@ -20734,7 +20770,7 @@
           </a:ln>
           <a:extLst>
             <a:ext uri="{C572A759-6A51-4108-AA02-DFA0A04FC94B}">
-              <ma14:wrappingTextBoxFlag xmlns:ma14="http://schemas.microsoft.com/office/mac/drawingml/2011/main" xmlns="" val="1"/>
+              <ma14:wrappingTextBoxFlag xmlns="" xmlns:ma14="http://schemas.microsoft.com/office/mac/drawingml/2011/main" val="1"/>
             </a:ext>
           </a:extLst>
         </p:spPr>
@@ -20816,7 +20852,7 @@
           </a:prstGeom>
           <a:extLst>
             <a:ext uri="{C572A759-6A51-4108-AA02-DFA0A04FC94B}">
-              <ma14:wrappingTextBoxFlag xmlns:ma14="http://schemas.microsoft.com/office/mac/drawingml/2011/main" xmlns="" val="1"/>
+              <ma14:wrappingTextBoxFlag xmlns="" xmlns:ma14="http://schemas.microsoft.com/office/mac/drawingml/2011/main" val="1"/>
             </a:ext>
           </a:extLst>
         </p:spPr>
